--- a/PowerpointTemplater.Tests/files/ReplaceTablesAndPictures_output.pptx
+++ b/PowerpointTemplater.Tests/files/ReplaceTablesAndPictures_output.pptx
@@ -5,8 +5,8 @@
     <p:sldMasterId id="2147483648" r:id="rId1"/>
   </p:sldMasterIdLst>
   <p:sldIdLst>
-    <p:sldId id="257" r:id="R87d08e4fa24042ae"/>
-    <p:sldId id="258" r:id="R29b3bf081fb8407e"/>
+    <p:sldId id="257" r:id="R75b9ee0053884819"/>
+    <p:sldId id="258" r:id="Rac26b55610c540ff"/>
   </p:sldIdLst>
   <p:sldSz cx="9144000" cy="6858000" type="screen4x3"/>
   <p:notesSz cx="6858000" cy="9144000"/>
@@ -3105,7 +3105,7 @@
           <p:nvPr/>
         </p:nvPicPr>
         <p:blipFill>
-          <a:blip r:embed="Ra3f32a3d6c934e30">
+          <a:blip r:embed="R0bc24e4f6a224247">
             <a:extLst>
               <a:ext uri="{28A0092B-C50C-407E-A947-70E740481C1C}">
                 <a14:useLocalDpi xmlns:a14="http://schemas.microsoft.com/office/drawing/2010/main" val="0"/>
@@ -3468,7 +3468,7 @@
           <p:nvPr/>
         </p:nvPicPr>
         <p:blipFill>
-          <a:blip r:embed="Ra3f32a3d6c934e30">
+          <a:blip r:embed="R0bc24e4f6a224247">
             <a:extLst>
               <a:ext uri="{28A0092B-C50C-407E-A947-70E740481C1C}">
                 <a14:useLocalDpi xmlns:a14="http://schemas.microsoft.com/office/drawing/2010/main" val="0"/>

--- a/PowerpointTemplater.Tests/files/ReplaceTablesAndPictures_output.pptx
+++ b/PowerpointTemplater.Tests/files/ReplaceTablesAndPictures_output.pptx
@@ -5,8 +5,8 @@
     <p:sldMasterId id="2147483648" r:id="rId1"/>
   </p:sldMasterIdLst>
   <p:sldIdLst>
-    <p:sldId id="257" r:id="R75b9ee0053884819"/>
-    <p:sldId id="258" r:id="Rac26b55610c540ff"/>
+    <p:sldId id="257" r:id="R5dba015591784eb8"/>
+    <p:sldId id="258" r:id="R1e37bc83023d4223"/>
   </p:sldIdLst>
   <p:sldSz cx="9144000" cy="6858000" type="screen4x3"/>
   <p:notesSz cx="6858000" cy="9144000"/>
@@ -3105,7 +3105,7 @@
           <p:nvPr/>
         </p:nvPicPr>
         <p:blipFill>
-          <a:blip r:embed="R0bc24e4f6a224247">
+          <a:blip r:embed="R8b71e283cea246d2">
             <a:extLst>
               <a:ext uri="{28A0092B-C50C-407E-A947-70E740481C1C}">
                 <a14:useLocalDpi xmlns:a14="http://schemas.microsoft.com/office/drawing/2010/main" val="0"/>
@@ -3468,7 +3468,7 @@
           <p:nvPr/>
         </p:nvPicPr>
         <p:blipFill>
-          <a:blip r:embed="R0bc24e4f6a224247">
+          <a:blip r:embed="R8b71e283cea246d2">
             <a:extLst>
               <a:ext uri="{28A0092B-C50C-407E-A947-70E740481C1C}">
                 <a14:useLocalDpi xmlns:a14="http://schemas.microsoft.com/office/drawing/2010/main" val="0"/>

--- a/PowerpointTemplater.Tests/files/ReplaceTablesAndPictures_output.pptx
+++ b/PowerpointTemplater.Tests/files/ReplaceTablesAndPictures_output.pptx
@@ -5,8 +5,8 @@
     <p:sldMasterId id="2147483648" r:id="rId1"/>
   </p:sldMasterIdLst>
   <p:sldIdLst>
-    <p:sldId id="257" r:id="R5dba015591784eb8"/>
-    <p:sldId id="258" r:id="R1e37bc83023d4223"/>
+    <p:sldId id="257" r:id="R573e616d4e844aed"/>
+    <p:sldId id="258" r:id="R4d25d5dafd524b0d"/>
   </p:sldIdLst>
   <p:sldSz cx="9144000" cy="6858000" type="screen4x3"/>
   <p:notesSz cx="6858000" cy="9144000"/>
@@ -3105,7 +3105,7 @@
           <p:nvPr/>
         </p:nvPicPr>
         <p:blipFill>
-          <a:blip r:embed="R8b71e283cea246d2">
+          <a:blip r:embed="R2fcea9d662ba47a8">
             <a:extLst>
               <a:ext uri="{28A0092B-C50C-407E-A947-70E740481C1C}">
                 <a14:useLocalDpi xmlns:a14="http://schemas.microsoft.com/office/drawing/2010/main" val="0"/>
@@ -3176,7 +3176,7 @@
                     <a:lstStyle/>
                     <a:p>
                       <a:r>
-                        <a:rPr lang="en-US" dirty="0" smtClean="0"/>
+                        <a:rPr lang="en-US" b="0" i="0" strike="noStrike" dirty="0" smtClean="0"/>
                         <a:t>1</a:t>
                       </a:r>
                       <a:endParaRPr lang="fr-FR" dirty="0"/>
@@ -3192,7 +3192,7 @@
                     <a:lstStyle/>
                     <a:p>
                       <a:r>
-                        <a:rPr lang="en-US" dirty="0" smtClean="0"/>
+                        <a:rPr lang="en-US" b="0" i="0" strike="noStrike" dirty="0" smtClean="0"/>
                         <a:t>2</a:t>
                       </a:r>
                       <a:endParaRPr lang="fr-FR" dirty="0"/>
@@ -3208,7 +3208,7 @@
                     <a:lstStyle/>
                     <a:p>
                       <a:r>
-                        <a:rPr lang="en-US" dirty="0" smtClean="0"/>
+                        <a:rPr lang="en-US" b="0" i="0" strike="noStrike" dirty="0" smtClean="0"/>
                         <a:t>3</a:t>
                       </a:r>
                       <a:endParaRPr lang="fr-FR" dirty="0"/>
@@ -3224,7 +3224,7 @@
                     <a:lstStyle/>
                     <a:p>
                       <a:r>
-                        <a:rPr lang="en-US" dirty="0" smtClean="0"/>
+                        <a:rPr lang="en-US" b="0" i="0" strike="noStrike" dirty="0" smtClean="0"/>
                         <a:t>4</a:t>
                       </a:r>
                       <a:endParaRPr lang="fr-FR" dirty="0"/>
@@ -3291,7 +3291,7 @@
                     <a:lstStyle/>
                     <a:p>
                       <a:r>
-                        <a:rPr lang="en-US" dirty="0" smtClean="0"/>
+                        <a:rPr lang="en-US" b="0" i="0" strike="noStrike" dirty="0" smtClean="0"/>
                         <a:t>1</a:t>
                       </a:r>
                       <a:endParaRPr lang="fr-FR" dirty="0"/>
@@ -3307,7 +3307,7 @@
                     <a:lstStyle/>
                     <a:p>
                       <a:r>
-                        <a:rPr lang="en-US" dirty="0" smtClean="0"/>
+                        <a:rPr lang="en-US" b="0" i="0" strike="noStrike" dirty="0" smtClean="0"/>
                         <a:t>2</a:t>
                       </a:r>
                       <a:endParaRPr lang="fr-FR" dirty="0"/>
@@ -3323,7 +3323,7 @@
                     <a:lstStyle/>
                     <a:p>
                       <a:r>
-                        <a:rPr lang="en-US" dirty="0" smtClean="0"/>
+                        <a:rPr lang="en-US" b="0" i="0" strike="noStrike" dirty="0" smtClean="0"/>
                         <a:t>3</a:t>
                       </a:r>
                       <a:endParaRPr lang="fr-FR" dirty="0"/>
@@ -3339,7 +3339,7 @@
                     <a:lstStyle/>
                     <a:p>
                       <a:r>
-                        <a:rPr lang="en-US" dirty="0" smtClean="0"/>
+                        <a:rPr lang="en-US" b="0" i="0" strike="noStrike" dirty="0" smtClean="0"/>
                         <a:t>4</a:t>
                       </a:r>
                       <a:endParaRPr lang="fr-FR" dirty="0"/>
@@ -3468,7 +3468,7 @@
           <p:nvPr/>
         </p:nvPicPr>
         <p:blipFill>
-          <a:blip r:embed="R8b71e283cea246d2">
+          <a:blip r:embed="R2fcea9d662ba47a8">
             <a:extLst>
               <a:ext uri="{28A0092B-C50C-407E-A947-70E740481C1C}">
                 <a14:useLocalDpi xmlns:a14="http://schemas.microsoft.com/office/drawing/2010/main" val="0"/>
@@ -3539,7 +3539,7 @@
                     <a:lstStyle/>
                     <a:p>
                       <a:r>
-                        <a:rPr lang="en-US" dirty="0" smtClean="0"/>
+                        <a:rPr lang="en-US" b="0" i="0" strike="noStrike" dirty="0" smtClean="0"/>
                         <a:t>5</a:t>
                       </a:r>
                       <a:endParaRPr lang="fr-FR" dirty="0"/>
@@ -3555,7 +3555,7 @@
                     <a:lstStyle/>
                     <a:p>
                       <a:r>
-                        <a:rPr lang="en-US" dirty="0" smtClean="0"/>
+                        <a:rPr lang="en-US" b="0" i="0" strike="noStrike" dirty="0" smtClean="0"/>
                         <a:t>6</a:t>
                       </a:r>
                       <a:endParaRPr lang="fr-FR" dirty="0"/>
@@ -3622,7 +3622,7 @@
                     <a:lstStyle/>
                     <a:p>
                       <a:r>
-                        <a:rPr lang="en-US" dirty="0" smtClean="0"/>
+                        <a:rPr lang="en-US" b="0" i="0" strike="noStrike" dirty="0" smtClean="0"/>
                         <a:t>5</a:t>
                       </a:r>
                       <a:endParaRPr lang="fr-FR" dirty="0"/>
@@ -3638,7 +3638,7 @@
                     <a:lstStyle/>
                     <a:p>
                       <a:r>
-                        <a:rPr lang="en-US" dirty="0" smtClean="0"/>
+                        <a:rPr lang="en-US" b="0" i="0" strike="noStrike" dirty="0" smtClean="0"/>
                         <a:t>6</a:t>
                       </a:r>
                       <a:endParaRPr lang="fr-FR" dirty="0"/>

--- a/PowerpointTemplater.Tests/files/ReplaceTablesAndPictures_output.pptx
+++ b/PowerpointTemplater.Tests/files/ReplaceTablesAndPictures_output.pptx
@@ -5,8 +5,8 @@
     <p:sldMasterId id="2147483648" r:id="rId1"/>
   </p:sldMasterIdLst>
   <p:sldIdLst>
-    <p:sldId id="257" r:id="R573e616d4e844aed"/>
-    <p:sldId id="258" r:id="R4d25d5dafd524b0d"/>
+    <p:sldId id="257" r:id="R58d48fd18f97497d"/>
+    <p:sldId id="258" r:id="R99b1d9e991d64142"/>
   </p:sldIdLst>
   <p:sldSz cx="9144000" cy="6858000" type="screen4x3"/>
   <p:notesSz cx="6858000" cy="9144000"/>
@@ -3105,7 +3105,7 @@
           <p:nvPr/>
         </p:nvPicPr>
         <p:blipFill>
-          <a:blip r:embed="R2fcea9d662ba47a8">
+          <a:blip r:embed="R5a5d429885ad4db2">
             <a:extLst>
               <a:ext uri="{28A0092B-C50C-407E-A947-70E740481C1C}">
                 <a14:useLocalDpi xmlns:a14="http://schemas.microsoft.com/office/drawing/2010/main" val="0"/>
@@ -3468,7 +3468,7 @@
           <p:nvPr/>
         </p:nvPicPr>
         <p:blipFill>
-          <a:blip r:embed="R2fcea9d662ba47a8">
+          <a:blip r:embed="R5a5d429885ad4db2">
             <a:extLst>
               <a:ext uri="{28A0092B-C50C-407E-A947-70E740481C1C}">
                 <a14:useLocalDpi xmlns:a14="http://schemas.microsoft.com/office/drawing/2010/main" val="0"/>
